--- a/ML_Final.pptx
+++ b/ML_Final.pptx
@@ -7,7 +7,7 @@
     <p:sldMasterId id="2147483668" r:id="rId3"/>
   </p:sldMasterIdLst>
   <p:notesMasterIdLst>
-    <p:notesMasterId r:id="rId17"/>
+    <p:notesMasterId r:id="rId18"/>
   </p:notesMasterIdLst>
   <p:sldIdLst>
     <p:sldId id="278" r:id="rId4"/>
@@ -20,9 +20,10 @@
     <p:sldId id="280" r:id="rId11"/>
     <p:sldId id="262" r:id="rId12"/>
     <p:sldId id="263" r:id="rId13"/>
-    <p:sldId id="264" r:id="rId14"/>
-    <p:sldId id="276" r:id="rId15"/>
-    <p:sldId id="277" r:id="rId16"/>
+    <p:sldId id="281" r:id="rId14"/>
+    <p:sldId id="264" r:id="rId15"/>
+    <p:sldId id="276" r:id="rId16"/>
+    <p:sldId id="277" r:id="rId17"/>
   </p:sldIdLst>
   <p:sldSz cx="12192000" cy="6858000"/>
   <p:notesSz cx="6858000" cy="9144000"/>
@@ -6370,28 +6371,9 @@
         <p:spPr/>
         <p:txBody>
           <a:bodyPr>
-            <a:normAutofit fontScale="92500" lnSpcReduction="10000"/>
+            <a:normAutofit fontScale="70000" lnSpcReduction="20000"/>
           </a:bodyPr>
           <a:lstStyle/>
-          <a:p>
-            <a:r>
-              <a:rPr dirty="0"/>
-              <a:t>- Accuracy metrics (RMSE, MAE, etc.).</a:t>
-            </a:r>
-          </a:p>
-          <a:p>
-            <a:r>
-              <a:rPr dirty="0"/>
-              <a:t>- Learning curves.</a:t>
-            </a:r>
-          </a:p>
-          <a:p>
-            <a:r>
-              <a:rPr dirty="0"/>
-              <a:t>- Key findings and learnings from the project.</a:t>
-            </a:r>
-            <a:endParaRPr lang="en-US" dirty="0"/>
-          </a:p>
           <a:p>
             <a:pPr algn="l">
               <a:buFont typeface="Arial" panose="020B0604020202020204" pitchFamily="34" charset="0"/>
@@ -6408,21 +6390,115 @@
                 </a:highlight>
                 <a:latin typeface="Söhne"/>
               </a:rPr>
-              <a:t>Summarize the performance of the recommendation model using metrics like RMSE, Mean Absolute Error (MAE), or </a:t>
-            </a:r>
-            <a:r>
-              <a:rPr lang="en-US" b="0" i="0" dirty="0" err="1">
-                <a:solidFill>
-                  <a:srgbClr val="0D0D0D"/>
-                </a:solidFill>
-                <a:effectLst/>
-                <a:highlight>
-                  <a:srgbClr val="FFFFFF"/>
-                </a:highlight>
-                <a:latin typeface="Söhne"/>
-              </a:rPr>
-              <a:t>Precision@K</a:t>
-            </a:r>
+              <a:t>Root Mean Squared Error (RMSE) on the validation set: </a:t>
+            </a:r>
+          </a:p>
+          <a:p>
+            <a:pPr lvl="1">
+              <a:buFont typeface="Arial" panose="020B0604020202020204" pitchFamily="34" charset="0"/>
+              <a:buChar char="•"/>
+            </a:pPr>
+            <a:r>
+              <a:rPr lang="en-US" dirty="0"/>
+              <a:t>SVD - Validation RMSE: 1.04</a:t>
+            </a:r>
+          </a:p>
+          <a:p>
+            <a:pPr lvl="1">
+              <a:buFont typeface="Arial" panose="020B0604020202020204" pitchFamily="34" charset="0"/>
+              <a:buChar char="•"/>
+            </a:pPr>
+            <a:r>
+              <a:rPr lang="en-US" dirty="0"/>
+              <a:t>SVD w/ Random Search – Validation RMSE: 0.99</a:t>
+            </a:r>
+          </a:p>
+          <a:p>
+            <a:pPr lvl="2">
+              <a:buFont typeface="Arial" panose="020B0604020202020204" pitchFamily="34" charset="0"/>
+              <a:buChar char="•"/>
+            </a:pPr>
+            <a:r>
+              <a:rPr lang="en-US" dirty="0"/>
+              <a:t>Best parameters: {'</a:t>
+            </a:r>
+            <a:r>
+              <a:rPr lang="en-US" dirty="0" err="1"/>
+              <a:t>n_factors</a:t>
+            </a:r>
+            <a:r>
+              <a:rPr lang="en-US" dirty="0"/>
+              <a:t>': 150, '</a:t>
+            </a:r>
+            <a:r>
+              <a:rPr lang="en-US" dirty="0" err="1"/>
+              <a:t>n_epochs</a:t>
+            </a:r>
+            <a:r>
+              <a:rPr lang="en-US" dirty="0"/>
+              <a:t>': 10, '</a:t>
+            </a:r>
+            <a:r>
+              <a:rPr lang="en-US" dirty="0" err="1"/>
+              <a:t>lr_all</a:t>
+            </a:r>
+            <a:r>
+              <a:rPr lang="en-US" dirty="0"/>
+              <a:t>': 0.002, '</a:t>
+            </a:r>
+            <a:r>
+              <a:rPr lang="en-US" dirty="0" err="1"/>
+              <a:t>reg_all</a:t>
+            </a:r>
+            <a:r>
+              <a:rPr lang="en-US" dirty="0"/>
+              <a:t>': 0.2}</a:t>
+            </a:r>
+            <a:endParaRPr lang="en-US" b="0" i="0" dirty="0">
+              <a:solidFill>
+                <a:srgbClr val="0D0D0D"/>
+              </a:solidFill>
+              <a:effectLst/>
+              <a:highlight>
+                <a:srgbClr val="FFFFFF"/>
+              </a:highlight>
+              <a:latin typeface="Söhne"/>
+            </a:endParaRPr>
+          </a:p>
+          <a:p>
+            <a:r>
+              <a:rPr lang="en-US" dirty="0"/>
+              <a:t>With Random Search the model improved by 0.05 points</a:t>
+            </a:r>
+          </a:p>
+          <a:p>
+            <a:r>
+              <a:rPr lang="en-US" dirty="0"/>
+              <a:t>With the training RMSE decreasing from 0.99 to ~0.68 by the 20</a:t>
+            </a:r>
+            <a:r>
+              <a:rPr lang="en-US" baseline="30000" dirty="0"/>
+              <a:t>th</a:t>
+            </a:r>
+            <a:r>
+              <a:rPr lang="en-US" dirty="0"/>
+              <a:t> epoch and the validation error increasing, it shows the model is learning the training set (overfitting)</a:t>
+            </a:r>
+          </a:p>
+          <a:p>
+            <a:r>
+              <a:rPr lang="en-US" dirty="0"/>
+              <a:t>However, even with data balancing and hyperparameter tuning the above is common</a:t>
+            </a:r>
+          </a:p>
+          <a:p>
+            <a:pPr lvl="1"/>
+            <a:r>
+              <a:rPr lang="en-US" dirty="0"/>
+              <a:t>To optimize the number of latent factors by minimizing the training RMSE, eventually the validation RMSE will start increasing</a:t>
+            </a:r>
+          </a:p>
+          <a:p>
             <a:r>
               <a:rPr lang="en-US" b="0" i="0" dirty="0">
                 <a:solidFill>
@@ -6430,11 +6506,11 @@
                 </a:solidFill>
                 <a:effectLst/>
                 <a:highlight>
-                  <a:srgbClr val="FFFFFF"/>
+                  <a:srgbClr val="FFFF00"/>
                 </a:highlight>
                 <a:latin typeface="Söhne"/>
               </a:rPr>
-              <a:t>.</a:t>
+              <a:t>Provide visualizations of the model's predictions compared to the actual ratings.</a:t>
             </a:r>
           </a:p>
           <a:p>
@@ -6449,26 +6525,7 @@
                 </a:solidFill>
                 <a:effectLst/>
                 <a:highlight>
-                  <a:srgbClr val="FFFFFF"/>
-                </a:highlight>
-                <a:latin typeface="Söhne"/>
-              </a:rPr>
-              <a:t>Provide visualizations of the model's predictions compared to the actual ratings.</a:t>
-            </a:r>
-          </a:p>
-          <a:p>
-            <a:pPr algn="l">
-              <a:buFont typeface="Arial" panose="020B0604020202020204" pitchFamily="34" charset="0"/>
-              <a:buChar char="•"/>
-            </a:pPr>
-            <a:r>
-              <a:rPr lang="en-US" b="0" i="0" dirty="0">
-                <a:solidFill>
-                  <a:srgbClr val="0D0D0D"/>
-                </a:solidFill>
-                <a:effectLst/>
-                <a:highlight>
-                  <a:srgbClr val="FFFFFF"/>
+                  <a:srgbClr val="FFFF00"/>
                 </a:highlight>
                 <a:latin typeface="Söhne"/>
               </a:rPr>
@@ -6559,6 +6616,157 @@
           <a:lstStyle/>
           <a:p>
             <a:r>
+              <a:t>Results and Learnings</a:t>
+            </a:r>
+          </a:p>
+        </p:txBody>
+      </p:sp>
+      <p:pic>
+        <p:nvPicPr>
+          <p:cNvPr id="5" name="Content Placeholder 4">
+            <a:extLst>
+              <a:ext uri="{FF2B5EF4-FFF2-40B4-BE49-F238E27FC236}">
+                <a16:creationId xmlns:a16="http://schemas.microsoft.com/office/drawing/2014/main" id="{515A353C-1EFB-F629-14FA-2E05B12ACD68}"/>
+              </a:ext>
+            </a:extLst>
+          </p:cNvPr>
+          <p:cNvPicPr>
+            <a:picLocks noGrp="1" noChangeAspect="1"/>
+          </p:cNvPicPr>
+          <p:nvPr>
+            <p:ph idx="1"/>
+          </p:nvPr>
+        </p:nvPicPr>
+        <p:blipFill>
+          <a:blip r:embed="rId2"/>
+          <a:stretch>
+            <a:fillRect/>
+          </a:stretch>
+        </p:blipFill>
+        <p:spPr>
+          <a:xfrm>
+            <a:off x="1052068" y="1790700"/>
+            <a:ext cx="3479800" cy="1562100"/>
+          </a:xfrm>
+          <a:prstGeom prst="rect">
+            <a:avLst/>
+          </a:prstGeom>
+        </p:spPr>
+      </p:pic>
+      <p:sp>
+        <p:nvSpPr>
+          <p:cNvPr id="4" name="Slide Number Placeholder 3">
+            <a:extLst>
+              <a:ext uri="{FF2B5EF4-FFF2-40B4-BE49-F238E27FC236}">
+                <a16:creationId xmlns:a16="http://schemas.microsoft.com/office/drawing/2014/main" id="{C574C1C9-FFED-64F3-52B4-EDB59DD0BF39}"/>
+              </a:ext>
+            </a:extLst>
+          </p:cNvPr>
+          <p:cNvSpPr>
+            <a:spLocks noGrp="1"/>
+          </p:cNvSpPr>
+          <p:nvPr>
+            <p:ph type="sldNum" idx="12"/>
+          </p:nvPr>
+        </p:nvSpPr>
+        <p:spPr/>
+        <p:txBody>
+          <a:bodyPr/>
+          <a:lstStyle/>
+          <a:p>
+            <a:pPr marL="0" lvl="0" indent="0" algn="r" rtl="0">
+              <a:spcBef>
+                <a:spcPts val="0"/>
+              </a:spcBef>
+              <a:spcAft>
+                <a:spcPts val="0"/>
+              </a:spcAft>
+              <a:buNone/>
+            </a:pPr>
+            <a:fld id="{00000000-1234-1234-1234-123412341234}" type="slidenum">
+              <a:rPr lang="en-US" smtClean="0"/>
+              <a:t>11</a:t>
+            </a:fld>
+            <a:endParaRPr lang="en-US"/>
+          </a:p>
+        </p:txBody>
+      </p:sp>
+      <p:pic>
+        <p:nvPicPr>
+          <p:cNvPr id="6" name="Picture 5">
+            <a:extLst>
+              <a:ext uri="{FF2B5EF4-FFF2-40B4-BE49-F238E27FC236}">
+                <a16:creationId xmlns:a16="http://schemas.microsoft.com/office/drawing/2014/main" id="{27A2A333-8483-DBD9-7622-463C443758E7}"/>
+              </a:ext>
+            </a:extLst>
+          </p:cNvPr>
+          <p:cNvPicPr>
+            <a:picLocks noChangeAspect="1"/>
+          </p:cNvPicPr>
+          <p:nvPr/>
+        </p:nvPicPr>
+        <p:blipFill>
+          <a:blip r:embed="rId3"/>
+          <a:stretch>
+            <a:fillRect/>
+          </a:stretch>
+        </p:blipFill>
+        <p:spPr>
+          <a:xfrm>
+            <a:off x="1052068" y="3596640"/>
+            <a:ext cx="3429000" cy="1714500"/>
+          </a:xfrm>
+          <a:prstGeom prst="rect">
+            <a:avLst/>
+          </a:prstGeom>
+        </p:spPr>
+      </p:pic>
+    </p:spTree>
+    <p:extLst>
+      <p:ext uri="{BB962C8B-B14F-4D97-AF65-F5344CB8AC3E}">
+        <p14:creationId xmlns:p14="http://schemas.microsoft.com/office/powerpoint/2010/main" val="4078801973"/>
+      </p:ext>
+    </p:extLst>
+  </p:cSld>
+  <p:clrMapOvr>
+    <a:masterClrMapping/>
+  </p:clrMapOvr>
+</p:sld>
+</file>
+
+<file path=ppt/slides/slide12.xml><?xml version="1.0" encoding="utf-8"?>
+<p:sld xmlns:a="http://schemas.openxmlformats.org/drawingml/2006/main" xmlns:r="http://schemas.openxmlformats.org/officeDocument/2006/relationships" xmlns:p="http://schemas.openxmlformats.org/presentationml/2006/main">
+  <p:cSld>
+    <p:spTree>
+      <p:nvGrpSpPr>
+        <p:cNvPr id="1" name=""/>
+        <p:cNvGrpSpPr/>
+        <p:nvPr/>
+      </p:nvGrpSpPr>
+      <p:grpSpPr>
+        <a:xfrm>
+          <a:off x="0" y="0"/>
+          <a:ext cx="0" cy="0"/>
+          <a:chOff x="0" y="0"/>
+          <a:chExt cx="0" cy="0"/>
+        </a:xfrm>
+      </p:grpSpPr>
+      <p:sp>
+        <p:nvSpPr>
+          <p:cNvPr id="2" name="Title 1"/>
+          <p:cNvSpPr>
+            <a:spLocks noGrp="1"/>
+          </p:cNvSpPr>
+          <p:nvPr>
+            <p:ph type="title"/>
+          </p:nvPr>
+        </p:nvSpPr>
+        <p:spPr/>
+        <p:txBody>
+          <a:bodyPr/>
+          <a:lstStyle/>
+          <a:p>
+            <a:r>
               <a:t>Future Work</a:t>
             </a:r>
           </a:p>
@@ -6577,68 +6785,98 @@
         <p:spPr/>
         <p:txBody>
           <a:bodyPr>
-            <a:normAutofit fontScale="92500" lnSpcReduction="10000"/>
+            <a:normAutofit fontScale="77500" lnSpcReduction="20000"/>
           </a:bodyPr>
           <a:lstStyle/>
           <a:p>
             <a:r>
               <a:rPr dirty="0"/>
-              <a:t>- Potential improvements.</a:t>
-            </a:r>
+              <a:t>Potential improvements</a:t>
+            </a:r>
+            <a:endParaRPr lang="en-US" dirty="0"/>
+          </a:p>
+          <a:p>
+            <a:pPr lvl="1"/>
+            <a:r>
+              <a:rPr lang="en-US" dirty="0"/>
+              <a:t>Further hyperparameter tuning</a:t>
+            </a:r>
+          </a:p>
+          <a:p>
+            <a:pPr lvl="2"/>
+            <a:r>
+              <a:rPr lang="en-US" dirty="0"/>
+              <a:t>Adjusting the hyperparameters even more may give better results</a:t>
+            </a:r>
+          </a:p>
+          <a:p>
+            <a:pPr lvl="1"/>
+            <a:r>
+              <a:rPr lang="en-US" dirty="0"/>
+              <a:t>Model ensemble</a:t>
+            </a:r>
+          </a:p>
+          <a:p>
+            <a:pPr lvl="2"/>
+            <a:r>
+              <a:rPr lang="en-US" dirty="0"/>
+              <a:t>Combining multiple models can potentially improve performance</a:t>
+            </a:r>
+          </a:p>
+          <a:p>
+            <a:pPr lvl="1"/>
+            <a:r>
+              <a:rPr lang="en-US" dirty="0"/>
+              <a:t>Additional real user ratings data (cold start)</a:t>
+            </a:r>
+          </a:p>
+          <a:p>
+            <a:pPr lvl="2"/>
+            <a:r>
+              <a:rPr lang="en-US" dirty="0"/>
+              <a:t>Evaluating this with real user data will be the most beneficial in finding a good recommender model</a:t>
+            </a:r>
+          </a:p>
+          <a:p>
+            <a:pPr lvl="1"/>
+            <a:r>
+              <a:rPr lang="en-US" dirty="0"/>
+              <a:t>Cold item problem</a:t>
+            </a:r>
+          </a:p>
+          <a:p>
+            <a:pPr lvl="2"/>
+            <a:r>
+              <a:rPr lang="en-US" dirty="0"/>
+              <a:t>When new cocktails are added use similar cocktails by ingredients and categories to know which users would like </a:t>
+            </a:r>
+            <a:r>
+              <a:rPr lang="en-US"/>
+              <a:t>this cocktail</a:t>
+            </a:r>
+            <a:endParaRPr dirty="0"/>
           </a:p>
           <a:p>
             <a:r>
               <a:rPr dirty="0"/>
-              <a:t>- Future directions for the project.</a:t>
-            </a:r>
-          </a:p>
-          <a:p>
-            <a:r>
-              <a:rPr dirty="0"/>
-              <a:t>- Other models or techniques to explore.</a:t>
+              <a:t>Other models or techniques to explore</a:t>
             </a:r>
             <a:endParaRPr lang="en-US" dirty="0"/>
           </a:p>
           <a:p>
-            <a:pPr algn="l">
-              <a:buFont typeface="Arial" panose="020B0604020202020204" pitchFamily="34" charset="0"/>
-              <a:buChar char="•"/>
-            </a:pPr>
-            <a:r>
-              <a:rPr lang="en-US" b="0" i="0" dirty="0">
-                <a:solidFill>
-                  <a:srgbClr val="0D0D0D"/>
-                </a:solidFill>
-                <a:effectLst/>
-                <a:highlight>
-                  <a:srgbClr val="FFFFFF"/>
-                </a:highlight>
-                <a:latin typeface="Söhne"/>
-              </a:rPr>
-              <a:t>Suggest potential improvements or extensions to the project, such as incorporating additional data sources, exploring advanced recommendation algorithms (e.g., deep learning), or improving scalability.</a:t>
-            </a:r>
-          </a:p>
-          <a:p>
-            <a:pPr algn="l">
-              <a:buFont typeface="Arial" panose="020B0604020202020204" pitchFamily="34" charset="0"/>
-              <a:buChar char="•"/>
-            </a:pPr>
-            <a:r>
-              <a:rPr lang="en-US" b="0" i="0" dirty="0">
-                <a:solidFill>
-                  <a:srgbClr val="0D0D0D"/>
-                </a:solidFill>
-                <a:effectLst/>
-                <a:highlight>
-                  <a:srgbClr val="FFFFFF"/>
-                </a:highlight>
-                <a:latin typeface="Söhne"/>
-              </a:rPr>
-              <a:t>Discuss how to handle new users (cold start problem) and new items (cold item problem).</a:t>
-            </a:r>
-          </a:p>
-          <a:p>
-            <a:endParaRPr dirty="0"/>
+            <a:pPr lvl="1"/>
+            <a:r>
+              <a:rPr lang="en-US" dirty="0"/>
+              <a:t>There is more work on CTGAN and Gaussian </a:t>
+            </a:r>
+            <a:r>
+              <a:rPr lang="en-US" dirty="0" err="1"/>
+              <a:t>Coupula</a:t>
+            </a:r>
+            <a:r>
+              <a:rPr lang="en-US" dirty="0"/>
+              <a:t> that can be used to generate user ratings</a:t>
+            </a:r>
           </a:p>
         </p:txBody>
       </p:sp>
@@ -6674,7 +6912,7 @@
             </a:pPr>
             <a:fld id="{00000000-1234-1234-1234-123412341234}" type="slidenum">
               <a:rPr lang="en-US" smtClean="0"/>
-              <a:t>11</a:t>
+              <a:t>12</a:t>
             </a:fld>
             <a:endParaRPr lang="en-US"/>
           </a:p>
@@ -6688,7 +6926,7 @@
 </p:sld>
 </file>
 
-<file path=ppt/slides/slide12.xml><?xml version="1.0" encoding="utf-8"?>
+<file path=ppt/slides/slide13.xml><?xml version="1.0" encoding="utf-8"?>
 <p:sld xmlns:a="http://schemas.openxmlformats.org/drawingml/2006/main" xmlns:r="http://schemas.openxmlformats.org/officeDocument/2006/relationships" xmlns:p="http://schemas.openxmlformats.org/presentationml/2006/main">
   <p:cSld>
     <p:spTree>
@@ -6737,7 +6975,7 @@
             </a:pPr>
             <a:fld id="{00000000-1234-1234-1234-123412341234}" type="slidenum">
               <a:rPr lang="en-US" smtClean="0"/>
-              <a:t>12</a:t>
+              <a:t>13</a:t>
             </a:fld>
             <a:endParaRPr lang="en-US"/>
           </a:p>
@@ -6756,7 +6994,7 @@
 </p:sld>
 </file>
 
-<file path=ppt/slides/slide13.xml><?xml version="1.0" encoding="utf-8"?>
+<file path=ppt/slides/slide14.xml><?xml version="1.0" encoding="utf-8"?>
 <p:sld xmlns:a="http://schemas.openxmlformats.org/drawingml/2006/main" xmlns:r="http://schemas.openxmlformats.org/officeDocument/2006/relationships" xmlns:p="http://schemas.openxmlformats.org/presentationml/2006/main">
   <p:cSld>
     <p:spTree>
@@ -8296,7 +8534,7 @@
         <p:spPr/>
         <p:txBody>
           <a:bodyPr>
-            <a:normAutofit fontScale="77500" lnSpcReduction="20000"/>
+            <a:normAutofit/>
           </a:bodyPr>
           <a:lstStyle/>
           <a:p>
@@ -8349,7 +8587,7 @@
             <a:endParaRPr dirty="0"/>
           </a:p>
           <a:p>
-            <a:pPr algn="l">
+            <a:pPr lvl="1">
               <a:buFont typeface="Arial" panose="020B0604020202020204" pitchFamily="34" charset="0"/>
               <a:buChar char="•"/>
             </a:pPr>
@@ -8364,11 +8602,11 @@
                 </a:highlight>
                 <a:latin typeface="Söhne"/>
               </a:rPr>
-              <a:t>Include hyperparameter tuning results and the impact of regularization on model performance.</a:t>
-            </a:r>
-          </a:p>
-          <a:p>
-            <a:pPr algn="l">
+              <a:t>Computationally efficient</a:t>
+            </a:r>
+          </a:p>
+          <a:p>
+            <a:pPr lvl="1">
               <a:buFont typeface="Arial" panose="020B0604020202020204" pitchFamily="34" charset="0"/>
               <a:buChar char="•"/>
             </a:pPr>
@@ -8383,80 +8621,8 @@
                 </a:highlight>
                 <a:latin typeface="Söhne"/>
               </a:rPr>
-              <a:t>Root Mean Squared Error (RMSE) on the validation set: </a:t>
-            </a:r>
-          </a:p>
-          <a:p>
-            <a:pPr lvl="1">
-              <a:buFont typeface="Arial" panose="020B0604020202020204" pitchFamily="34" charset="0"/>
-              <a:buChar char="•"/>
-            </a:pPr>
-            <a:r>
-              <a:rPr lang="en-US" dirty="0"/>
-              <a:t>SVD - Validation RMSE: 1.04</a:t>
-            </a:r>
-          </a:p>
-          <a:p>
-            <a:pPr lvl="1">
-              <a:buFont typeface="Arial" panose="020B0604020202020204" pitchFamily="34" charset="0"/>
-              <a:buChar char="•"/>
-            </a:pPr>
-            <a:r>
-              <a:rPr lang="en-US" dirty="0"/>
-              <a:t>SVD w/ Random Search – Validation RMSE: 0.99</a:t>
-            </a:r>
-          </a:p>
-          <a:p>
-            <a:pPr lvl="2">
-              <a:buFont typeface="Arial" panose="020B0604020202020204" pitchFamily="34" charset="0"/>
-              <a:buChar char="•"/>
-            </a:pPr>
-            <a:r>
-              <a:rPr lang="en-US" dirty="0"/>
-              <a:t>Best parameters: {'</a:t>
-            </a:r>
-            <a:r>
-              <a:rPr lang="en-US" dirty="0" err="1"/>
-              <a:t>n_factors</a:t>
-            </a:r>
-            <a:r>
-              <a:rPr lang="en-US" dirty="0"/>
-              <a:t>': 150, '</a:t>
-            </a:r>
-            <a:r>
-              <a:rPr lang="en-US" dirty="0" err="1"/>
-              <a:t>n_epochs</a:t>
-            </a:r>
-            <a:r>
-              <a:rPr lang="en-US" dirty="0"/>
-              <a:t>': 10, '</a:t>
-            </a:r>
-            <a:r>
-              <a:rPr lang="en-US" dirty="0" err="1"/>
-              <a:t>lr_all</a:t>
-            </a:r>
-            <a:r>
-              <a:rPr lang="en-US" dirty="0"/>
-              <a:t>': 0.002, '</a:t>
-            </a:r>
-            <a:r>
-              <a:rPr lang="en-US" dirty="0" err="1"/>
-              <a:t>reg_all</a:t>
-            </a:r>
-            <a:r>
-              <a:rPr lang="en-US" dirty="0"/>
-              <a:t>': 0.2}</a:t>
-            </a:r>
-            <a:endParaRPr lang="en-US" b="0" i="0" dirty="0">
-              <a:solidFill>
-                <a:srgbClr val="0D0D0D"/>
-              </a:solidFill>
-              <a:effectLst/>
-              <a:highlight>
-                <a:srgbClr val="FFFFFF"/>
-              </a:highlight>
-              <a:latin typeface="Söhne"/>
-            </a:endParaRPr>
+              <a:t>Increases likelihood of finding optimal settings</a:t>
+            </a:r>
           </a:p>
           <a:p>
             <a:endParaRPr dirty="0"/>
@@ -8485,7 +8651,7 @@
         </p:blipFill>
         <p:spPr>
           <a:xfrm>
-            <a:off x="9129485" y="1391188"/>
+            <a:off x="5465064" y="1488617"/>
             <a:ext cx="2032000" cy="622300"/>
           </a:xfrm>
           <a:prstGeom prst="rect">
@@ -8507,7 +8673,7 @@
         </p:nvSpPr>
         <p:spPr>
           <a:xfrm>
-            <a:off x="8569234" y="2013488"/>
+            <a:off x="4904813" y="2110917"/>
             <a:ext cx="3152503" cy="954107"/>
           </a:xfrm>
           <a:prstGeom prst="rect">
@@ -8599,6 +8765,35 @@
           </a:p>
         </p:txBody>
       </p:sp>
+      <p:pic>
+        <p:nvPicPr>
+          <p:cNvPr id="9" name="Picture 8">
+            <a:extLst>
+              <a:ext uri="{FF2B5EF4-FFF2-40B4-BE49-F238E27FC236}">
+                <a16:creationId xmlns:a16="http://schemas.microsoft.com/office/drawing/2014/main" id="{DE46D024-23C6-A1F9-02C5-0C81075490F8}"/>
+              </a:ext>
+            </a:extLst>
+          </p:cNvPr>
+          <p:cNvPicPr>
+            <a:picLocks noChangeAspect="1"/>
+          </p:cNvPicPr>
+          <p:nvPr/>
+        </p:nvPicPr>
+        <p:blipFill rotWithShape="1">
+          <a:blip r:embed="rId3"/>
+          <a:srcRect t="5414"/>
+          <a:stretch/>
+        </p:blipFill>
+        <p:spPr>
+          <a:xfrm>
+            <a:off x="8372159" y="3742943"/>
+            <a:ext cx="3323714" cy="1044835"/>
+          </a:xfrm>
+          <a:prstGeom prst="rect">
+            <a:avLst/>
+          </a:prstGeom>
+        </p:spPr>
+      </p:pic>
     </p:spTree>
   </p:cSld>
   <p:clrMapOvr>
